--- a/Sorting and Tree.pptx
+++ b/Sorting and Tree.pptx
@@ -8,9 +8,12 @@
     <p:sldId id="256" r:id="rId2"/>
     <p:sldId id="258" r:id="rId3"/>
     <p:sldId id="257" r:id="rId4"/>
-    <p:sldId id="260" r:id="rId5"/>
-    <p:sldId id="259" r:id="rId6"/>
-    <p:sldId id="261" r:id="rId7"/>
+    <p:sldId id="262" r:id="rId5"/>
+    <p:sldId id="260" r:id="rId6"/>
+    <p:sldId id="259" r:id="rId7"/>
+    <p:sldId id="261" r:id="rId8"/>
+    <p:sldId id="264" r:id="rId9"/>
+    <p:sldId id="263" r:id="rId10"/>
   </p:sldIdLst>
   <p:sldSz cx="9144000" cy="6858000" type="screen4x3"/>
   <p:notesSz cx="6858000" cy="9144000"/>
@@ -316,7 +319,7 @@
           <a:p>
             <a:fld id="{F63E5201-5E87-405D-AB6E-1CE928A31BEE}" type="datetimeFigureOut">
               <a:rPr lang="en-US" smtClean="0"/>
-              <a:t>12/8/2020</a:t>
+              <a:t>12/10/2020</a:t>
             </a:fld>
             <a:endParaRPr lang="en-US"/>
           </a:p>
@@ -516,7 +519,7 @@
           <a:p>
             <a:fld id="{F63E5201-5E87-405D-AB6E-1CE928A31BEE}" type="datetimeFigureOut">
               <a:rPr lang="en-US" smtClean="0"/>
-              <a:t>12/8/2020</a:t>
+              <a:t>12/10/2020</a:t>
             </a:fld>
             <a:endParaRPr lang="en-US"/>
           </a:p>
@@ -691,7 +694,7 @@
           <a:p>
             <a:fld id="{F63E5201-5E87-405D-AB6E-1CE928A31BEE}" type="datetimeFigureOut">
               <a:rPr lang="en-US" smtClean="0"/>
-              <a:t>12/8/2020</a:t>
+              <a:t>12/10/2020</a:t>
             </a:fld>
             <a:endParaRPr lang="en-US"/>
           </a:p>
@@ -856,7 +859,7 @@
           <a:p>
             <a:fld id="{F63E5201-5E87-405D-AB6E-1CE928A31BEE}" type="datetimeFigureOut">
               <a:rPr lang="en-US" smtClean="0"/>
-              <a:t>12/8/2020</a:t>
+              <a:t>12/10/2020</a:t>
             </a:fld>
             <a:endParaRPr lang="en-US"/>
           </a:p>
@@ -1104,7 +1107,7 @@
           <a:p>
             <a:fld id="{F63E5201-5E87-405D-AB6E-1CE928A31BEE}" type="datetimeFigureOut">
               <a:rPr lang="en-US" smtClean="0"/>
-              <a:t>12/8/2020</a:t>
+              <a:t>12/10/2020</a:t>
             </a:fld>
             <a:endParaRPr lang="en-US"/>
           </a:p>
@@ -1422,7 +1425,7 @@
           <a:p>
             <a:fld id="{F63E5201-5E87-405D-AB6E-1CE928A31BEE}" type="datetimeFigureOut">
               <a:rPr lang="en-US" smtClean="0"/>
-              <a:t>12/8/2020</a:t>
+              <a:t>12/10/2020</a:t>
             </a:fld>
             <a:endParaRPr lang="en-US"/>
           </a:p>
@@ -1888,7 +1891,7 @@
           <a:p>
             <a:fld id="{F63E5201-5E87-405D-AB6E-1CE928A31BEE}" type="datetimeFigureOut">
               <a:rPr lang="en-US" smtClean="0"/>
-              <a:t>12/8/2020</a:t>
+              <a:t>12/10/2020</a:t>
             </a:fld>
             <a:endParaRPr lang="en-US"/>
           </a:p>
@@ -2036,7 +2039,7 @@
           <a:p>
             <a:fld id="{F63E5201-5E87-405D-AB6E-1CE928A31BEE}" type="datetimeFigureOut">
               <a:rPr lang="en-US" smtClean="0"/>
-              <a:t>12/8/2020</a:t>
+              <a:t>12/10/2020</a:t>
             </a:fld>
             <a:endParaRPr lang="en-US"/>
           </a:p>
@@ -2126,7 +2129,7 @@
           <a:p>
             <a:fld id="{F63E5201-5E87-405D-AB6E-1CE928A31BEE}" type="datetimeFigureOut">
               <a:rPr lang="en-US" smtClean="0"/>
-              <a:t>12/8/2020</a:t>
+              <a:t>12/10/2020</a:t>
             </a:fld>
             <a:endParaRPr lang="en-US"/>
           </a:p>
@@ -2400,7 +2403,7 @@
           <a:p>
             <a:fld id="{F63E5201-5E87-405D-AB6E-1CE928A31BEE}" type="datetimeFigureOut">
               <a:rPr lang="en-US" smtClean="0"/>
-              <a:t>12/8/2020</a:t>
+              <a:t>12/10/2020</a:t>
             </a:fld>
             <a:endParaRPr lang="en-US"/>
           </a:p>
@@ -2705,7 +2708,7 @@
           <a:p>
             <a:fld id="{F63E5201-5E87-405D-AB6E-1CE928A31BEE}" type="datetimeFigureOut">
               <a:rPr lang="en-US" smtClean="0"/>
-              <a:t>12/8/2020</a:t>
+              <a:t>12/10/2020</a:t>
             </a:fld>
             <a:endParaRPr lang="en-US"/>
           </a:p>
@@ -3003,7 +3006,7 @@
           <a:p>
             <a:fld id="{F63E5201-5E87-405D-AB6E-1CE928A31BEE}" type="datetimeFigureOut">
               <a:rPr lang="en-US" smtClean="0"/>
-              <a:t>12/8/2020</a:t>
+              <a:t>12/10/2020</a:t>
             </a:fld>
             <a:endParaRPr lang="en-US"/>
           </a:p>
@@ -3786,6 +3789,10 @@
               <a:t>Merge Sort</a:t>
             </a:r>
           </a:p>
+          <a:p>
+            <a:pPr lvl="1"/>
+            <a:endParaRPr lang="en-GB" dirty="0" smtClean="0"/>
+          </a:p>
         </p:txBody>
       </p:sp>
     </p:spTree>
@@ -3835,7 +3842,7 @@
           <a:p>
             <a:r>
               <a:rPr lang="en-US" dirty="0" smtClean="0"/>
-              <a:t>Insertion Sort</a:t>
+              <a:t>Bubble Sort</a:t>
             </a:r>
             <a:endParaRPr lang="en-US" dirty="0"/>
           </a:p>
@@ -3853,68 +3860,54 @@
         </p:nvSpPr>
         <p:spPr/>
         <p:txBody>
-          <a:bodyPr/>
+          <a:bodyPr>
+            <a:normAutofit/>
+          </a:bodyPr>
           <a:lstStyle/>
           <a:p>
             <a:r>
               <a:rPr lang="en-GB" dirty="0"/>
-              <a:t> The array is virtually split into a sorted and an unsorted part. Values from the unsorted part are picked and placed at the correct </a:t>
+              <a:t>Bubble Sort is the simplest sorting algorithm that works by repeatedly swapping the adjacent elements if they are in wrong order</a:t>
             </a:r>
             <a:r>
               <a:rPr lang="en-GB" dirty="0" smtClean="0"/>
-              <a:t>position in the sorted part.</a:t>
+              <a:t>.</a:t>
             </a:r>
           </a:p>
           <a:p>
             <a:r>
               <a:rPr lang="en-GB" dirty="0" smtClean="0"/>
-              <a:t>Time Complexity </a:t>
+              <a:t> Time complexity</a:t>
             </a:r>
           </a:p>
           <a:p>
             <a:pPr lvl="1"/>
             <a:r>
               <a:rPr lang="en-GB" dirty="0" smtClean="0"/>
-              <a:t>Best Case</a:t>
-            </a:r>
-            <a:r>
-              <a:rPr lang="en-GB" dirty="0" smtClean="0">
-                <a:sym typeface="Wingdings" pitchFamily="2" charset="2"/>
-              </a:rPr>
-              <a:t>: O(n</a:t>
-            </a:r>
-            <a:r>
-              <a:rPr lang="en-GB" dirty="0" smtClean="0">
-                <a:sym typeface="Wingdings" pitchFamily="2" charset="2"/>
-              </a:rPr>
-              <a:t>)</a:t>
+              <a:t>Best Complexity :O(n)</a:t>
             </a:r>
           </a:p>
           <a:p>
             <a:pPr lvl="1"/>
             <a:r>
-              <a:rPr lang="en-GB" dirty="0" smtClean="0">
-                <a:sym typeface="Wingdings" pitchFamily="2" charset="2"/>
-              </a:rPr>
-              <a:t>Worst Case</a:t>
-            </a:r>
-            <a:r>
-              <a:rPr lang="en-GB" dirty="0" smtClean="0">
-                <a:sym typeface="Wingdings" pitchFamily="2" charset="2"/>
-              </a:rPr>
-              <a:t>: O(n^2)</a:t>
-            </a:r>
-            <a:endParaRPr lang="en-GB" dirty="0" smtClean="0"/>
-          </a:p>
-          <a:p>
-            <a:endParaRPr lang="en-GB" dirty="0" smtClean="0"/>
+              <a:rPr lang="en-GB" dirty="0" smtClean="0"/>
+              <a:t>Average Complexity :O(n^2)	</a:t>
+            </a:r>
+          </a:p>
+          <a:p>
+            <a:pPr lvl="1"/>
+            <a:r>
+              <a:rPr lang="en-GB" dirty="0" smtClean="0"/>
+              <a:t>Worst :O(n^2)</a:t>
+            </a:r>
+            <a:endParaRPr lang="en-US" dirty="0"/>
           </a:p>
         </p:txBody>
       </p:sp>
     </p:spTree>
     <p:extLst>
       <p:ext uri="{BB962C8B-B14F-4D97-AF65-F5344CB8AC3E}">
-        <p14:creationId xmlns:p14="http://schemas.microsoft.com/office/powerpoint/2010/main" val="2759039995"/>
+        <p14:creationId xmlns:p14="http://schemas.microsoft.com/office/powerpoint/2010/main" val="854073482"/>
       </p:ext>
     </p:extLst>
   </p:cSld>
@@ -3958,7 +3951,7 @@
           <a:p>
             <a:r>
               <a:rPr lang="en-US" dirty="0" smtClean="0"/>
-              <a:t>Merge Sort</a:t>
+              <a:t>Insertion Sort</a:t>
             </a:r>
             <a:endParaRPr lang="en-US" dirty="0"/>
           </a:p>
@@ -3981,64 +3974,90 @@
           <a:p>
             <a:r>
               <a:rPr lang="en-GB" dirty="0"/>
-              <a:t>Merge sort algorithm uses the “</a:t>
-            </a:r>
-            <a:r>
-              <a:rPr lang="en-GB" b="1" dirty="0"/>
-              <a:t>divide and conquer</a:t>
-            </a:r>
-            <a:r>
-              <a:rPr lang="en-GB" dirty="0"/>
-              <a:t>” strategy </a:t>
+              <a:t> The array is virtually split into a sorted and an unsorted part. Values from the unsorted part are picked and placed at the correct </a:t>
             </a:r>
             <a:r>
               <a:rPr lang="en-GB" dirty="0" smtClean="0"/>
-              <a:t>where </a:t>
-            </a:r>
-            <a:r>
-              <a:rPr lang="en-GB" dirty="0"/>
-              <a:t>we divide the problem into </a:t>
-            </a:r>
+              <a:t>position in the sorted part.</a:t>
+            </a:r>
+          </a:p>
+          <a:p>
             <a:r>
               <a:rPr lang="en-GB" dirty="0" smtClean="0"/>
-              <a:t>sub problems </a:t>
-            </a:r>
-            <a:r>
-              <a:rPr lang="en-GB" dirty="0"/>
-              <a:t>and solve those </a:t>
-            </a:r>
+              <a:t>Time Complexity </a:t>
+            </a:r>
+          </a:p>
+          <a:p>
+            <a:pPr lvl="1"/>
             <a:r>
               <a:rPr lang="en-GB" dirty="0" smtClean="0"/>
-              <a:t>sub problems individually.</a:t>
+              <a:t>Best Case</a:t>
+            </a:r>
+            <a:r>
+              <a:rPr lang="en-GB" dirty="0" smtClean="0">
+                <a:sym typeface="Wingdings" pitchFamily="2" charset="2"/>
+              </a:rPr>
+              <a:t>: O(n)</a:t>
             </a:r>
           </a:p>
           <a:p>
             <a:pPr lvl="1"/>
             <a:r>
-              <a:rPr lang="en-GB" dirty="0" smtClean="0"/>
-              <a:t>Time Complexity</a:t>
+              <a:rPr lang="en-GB" dirty="0" smtClean="0">
+                <a:sym typeface="Wingdings" pitchFamily="2" charset="2"/>
+              </a:rPr>
+              <a:t>Average :O(n^2)</a:t>
             </a:r>
           </a:p>
           <a:p>
             <a:pPr lvl="1"/>
             <a:r>
-              <a:rPr lang="en-GB" dirty="0" smtClean="0"/>
-              <a:t>Best Case: O(n log n)</a:t>
-            </a:r>
-          </a:p>
-          <a:p>
-            <a:pPr lvl="1"/>
-            <a:r>
-              <a:rPr lang="en-GB" dirty="0" smtClean="0"/>
-              <a:t>Worst Case: O(n log n)</a:t>
-            </a:r>
-          </a:p>
-        </p:txBody>
-      </p:sp>
+              <a:rPr lang="en-GB" dirty="0" smtClean="0">
+                <a:sym typeface="Wingdings" pitchFamily="2" charset="2"/>
+              </a:rPr>
+              <a:t>Worst Case: O(n^2)</a:t>
+            </a:r>
+            <a:endParaRPr lang="en-GB" dirty="0" smtClean="0"/>
+          </a:p>
+          <a:p>
+            <a:endParaRPr lang="en-GB" dirty="0" smtClean="0"/>
+          </a:p>
+        </p:txBody>
+      </p:sp>
+      <p:pic>
+        <p:nvPicPr>
+          <p:cNvPr id="4" name="Picture 3"/>
+          <p:cNvPicPr>
+            <a:picLocks noChangeAspect="1"/>
+          </p:cNvPicPr>
+          <p:nvPr/>
+        </p:nvPicPr>
+        <p:blipFill>
+          <a:blip r:embed="rId2">
+            <a:extLst>
+              <a:ext uri="{28A0092B-C50C-407E-A947-70E740481C1C}">
+                <a14:useLocalDpi xmlns:a14="http://schemas.microsoft.com/office/drawing/2010/main" val="0"/>
+              </a:ext>
+            </a:extLst>
+          </a:blip>
+          <a:stretch>
+            <a:fillRect/>
+          </a:stretch>
+        </p:blipFill>
+        <p:spPr>
+          <a:xfrm>
+            <a:off x="5943600" y="3314408"/>
+            <a:ext cx="2594763" cy="3162592"/>
+          </a:xfrm>
+          <a:prstGeom prst="rect">
+            <a:avLst/>
+          </a:prstGeom>
+        </p:spPr>
+      </p:pic>
     </p:spTree>
     <p:extLst>
       <p:ext uri="{BB962C8B-B14F-4D97-AF65-F5344CB8AC3E}">
-        <p14:creationId xmlns:p14="http://schemas.microsoft.com/office/powerpoint/2010/main" val="371342261"/>
+        <p14:creationId xmlns:p14="http://schemas.microsoft.com/office/powerpoint/2010/main" val="2759039995"/>
       </p:ext>
     </p:extLst>
   </p:cSld>
@@ -4082,6 +4101,166 @@
           <a:p>
             <a:r>
               <a:rPr lang="en-US" dirty="0" smtClean="0"/>
+              <a:t>Merge Sort</a:t>
+            </a:r>
+            <a:endParaRPr lang="en-US" dirty="0"/>
+          </a:p>
+        </p:txBody>
+      </p:sp>
+      <p:sp>
+        <p:nvSpPr>
+          <p:cNvPr id="3" name="Content Placeholder 2"/>
+          <p:cNvSpPr>
+            <a:spLocks noGrp="1"/>
+          </p:cNvSpPr>
+          <p:nvPr>
+            <p:ph idx="1"/>
+          </p:nvPr>
+        </p:nvSpPr>
+        <p:spPr/>
+        <p:txBody>
+          <a:bodyPr/>
+          <a:lstStyle/>
+          <a:p>
+            <a:r>
+              <a:rPr lang="en-GB" dirty="0"/>
+              <a:t>Merge sort algorithm uses the “</a:t>
+            </a:r>
+            <a:r>
+              <a:rPr lang="en-GB" b="1" dirty="0"/>
+              <a:t>divide and conquer</a:t>
+            </a:r>
+            <a:r>
+              <a:rPr lang="en-GB" dirty="0"/>
+              <a:t>” strategy </a:t>
+            </a:r>
+            <a:r>
+              <a:rPr lang="en-GB" dirty="0" smtClean="0"/>
+              <a:t>where </a:t>
+            </a:r>
+            <a:r>
+              <a:rPr lang="en-GB" dirty="0"/>
+              <a:t>we divide the problem into </a:t>
+            </a:r>
+            <a:r>
+              <a:rPr lang="en-GB" dirty="0" smtClean="0"/>
+              <a:t>sub problems </a:t>
+            </a:r>
+            <a:r>
+              <a:rPr lang="en-GB" dirty="0"/>
+              <a:t>and solve those </a:t>
+            </a:r>
+            <a:r>
+              <a:rPr lang="en-GB" dirty="0" smtClean="0"/>
+              <a:t>sub problems individually</a:t>
+            </a:r>
+          </a:p>
+          <a:p>
+            <a:r>
+              <a:rPr lang="en-GB" dirty="0" smtClean="0"/>
+              <a:t>Time Complexity</a:t>
+            </a:r>
+          </a:p>
+          <a:p>
+            <a:pPr lvl="1"/>
+            <a:r>
+              <a:rPr lang="en-GB" dirty="0" smtClean="0"/>
+              <a:t>Best Case: O(n log n)</a:t>
+            </a:r>
+          </a:p>
+          <a:p>
+            <a:pPr lvl="1"/>
+            <a:r>
+              <a:rPr lang="en-GB" dirty="0" smtClean="0"/>
+              <a:t>Average Case(n log n)</a:t>
+            </a:r>
+          </a:p>
+          <a:p>
+            <a:pPr lvl="1"/>
+            <a:r>
+              <a:rPr lang="en-GB" dirty="0" smtClean="0"/>
+              <a:t>Worst Case: O(n log n)</a:t>
+            </a:r>
+          </a:p>
+        </p:txBody>
+      </p:sp>
+      <p:pic>
+        <p:nvPicPr>
+          <p:cNvPr id="4" name="Picture 3"/>
+          <p:cNvPicPr>
+            <a:picLocks noChangeAspect="1"/>
+          </p:cNvPicPr>
+          <p:nvPr/>
+        </p:nvPicPr>
+        <p:blipFill>
+          <a:blip r:embed="rId2">
+            <a:extLst>
+              <a:ext uri="{28A0092B-C50C-407E-A947-70E740481C1C}">
+                <a14:useLocalDpi xmlns:a14="http://schemas.microsoft.com/office/drawing/2010/main" val="0"/>
+              </a:ext>
+            </a:extLst>
+          </a:blip>
+          <a:stretch>
+            <a:fillRect/>
+          </a:stretch>
+        </p:blipFill>
+        <p:spPr>
+          <a:xfrm>
+            <a:off x="4114800" y="3048000"/>
+            <a:ext cx="4765508" cy="2292269"/>
+          </a:xfrm>
+          <a:prstGeom prst="rect">
+            <a:avLst/>
+          </a:prstGeom>
+        </p:spPr>
+      </p:pic>
+    </p:spTree>
+    <p:extLst>
+      <p:ext uri="{BB962C8B-B14F-4D97-AF65-F5344CB8AC3E}">
+        <p14:creationId xmlns:p14="http://schemas.microsoft.com/office/powerpoint/2010/main" val="371342261"/>
+      </p:ext>
+    </p:extLst>
+  </p:cSld>
+  <p:clrMapOvr>
+    <a:masterClrMapping/>
+  </p:clrMapOvr>
+</p:sld>
+</file>
+
+<file path=ppt/slides/slide7.xml><?xml version="1.0" encoding="utf-8"?>
+<p:sld xmlns:a="http://schemas.openxmlformats.org/drawingml/2006/main" xmlns:r="http://schemas.openxmlformats.org/officeDocument/2006/relationships" xmlns:p="http://schemas.openxmlformats.org/presentationml/2006/main">
+  <p:cSld>
+    <p:spTree>
+      <p:nvGrpSpPr>
+        <p:cNvPr id="1" name=""/>
+        <p:cNvGrpSpPr/>
+        <p:nvPr/>
+      </p:nvGrpSpPr>
+      <p:grpSpPr>
+        <a:xfrm>
+          <a:off x="0" y="0"/>
+          <a:ext cx="0" cy="0"/>
+          <a:chOff x="0" y="0"/>
+          <a:chExt cx="0" cy="0"/>
+        </a:xfrm>
+      </p:grpSpPr>
+      <p:sp>
+        <p:nvSpPr>
+          <p:cNvPr id="2" name="Title 1"/>
+          <p:cNvSpPr>
+            <a:spLocks noGrp="1"/>
+          </p:cNvSpPr>
+          <p:nvPr>
+            <p:ph type="title"/>
+          </p:nvPr>
+        </p:nvSpPr>
+        <p:spPr/>
+        <p:txBody>
+          <a:bodyPr/>
+          <a:lstStyle/>
+          <a:p>
+            <a:r>
+              <a:rPr lang="en-US" dirty="0" smtClean="0"/>
               <a:t>Binary Search Tree</a:t>
             </a:r>
             <a:endParaRPr lang="en-US" dirty="0"/>
@@ -4113,6 +4292,7 @@
             </a:r>
           </a:p>
           <a:p>
+            <a:pPr lvl="1"/>
             <a:r>
               <a:rPr lang="en-GB" dirty="0"/>
               <a:t>The left </a:t>
@@ -4127,6 +4307,7 @@
             </a:r>
           </a:p>
           <a:p>
+            <a:pPr lvl="1"/>
             <a:r>
               <a:rPr lang="en-GB" dirty="0"/>
               <a:t>The right </a:t>
@@ -4141,6 +4322,7 @@
             </a:r>
           </a:p>
           <a:p>
+            <a:pPr lvl="1"/>
             <a:r>
               <a:rPr lang="en-GB" dirty="0"/>
               <a:t>The left and right </a:t>
@@ -4163,6 +4345,123 @@
     <p:extLst>
       <p:ext uri="{BB962C8B-B14F-4D97-AF65-F5344CB8AC3E}">
         <p14:creationId xmlns:p14="http://schemas.microsoft.com/office/powerpoint/2010/main" val="3230192584"/>
+      </p:ext>
+    </p:extLst>
+  </p:cSld>
+  <p:clrMapOvr>
+    <a:masterClrMapping/>
+  </p:clrMapOvr>
+</p:sld>
+</file>
+
+<file path=ppt/slides/slide8.xml><?xml version="1.0" encoding="utf-8"?>
+<p:sld xmlns:a="http://schemas.openxmlformats.org/drawingml/2006/main" xmlns:r="http://schemas.openxmlformats.org/officeDocument/2006/relationships" xmlns:p="http://schemas.openxmlformats.org/presentationml/2006/main">
+  <p:cSld>
+    <p:spTree>
+      <p:nvGrpSpPr>
+        <p:cNvPr id="1" name=""/>
+        <p:cNvGrpSpPr/>
+        <p:nvPr/>
+      </p:nvGrpSpPr>
+      <p:grpSpPr>
+        <a:xfrm>
+          <a:off x="0" y="0"/>
+          <a:ext cx="0" cy="0"/>
+          <a:chOff x="0" y="0"/>
+          <a:chExt cx="0" cy="0"/>
+        </a:xfrm>
+      </p:grpSpPr>
+      <p:pic>
+        <p:nvPicPr>
+          <p:cNvPr id="4" name="Content Placeholder 3"/>
+          <p:cNvPicPr>
+            <a:picLocks noGrp="1" noChangeAspect="1"/>
+          </p:cNvPicPr>
+          <p:nvPr>
+            <p:ph idx="1"/>
+          </p:nvPr>
+        </p:nvPicPr>
+        <p:blipFill>
+          <a:blip r:embed="rId2">
+            <a:extLst>
+              <a:ext uri="{28A0092B-C50C-407E-A947-70E740481C1C}">
+                <a14:useLocalDpi xmlns:a14="http://schemas.microsoft.com/office/drawing/2010/main" val="0"/>
+              </a:ext>
+            </a:extLst>
+          </a:blip>
+          <a:stretch>
+            <a:fillRect/>
+          </a:stretch>
+        </p:blipFill>
+        <p:spPr>
+          <a:xfrm>
+            <a:off x="960120" y="1524000"/>
+            <a:ext cx="7269480" cy="5061030"/>
+          </a:xfrm>
+        </p:spPr>
+      </p:pic>
+    </p:spTree>
+    <p:extLst>
+      <p:ext uri="{BB962C8B-B14F-4D97-AF65-F5344CB8AC3E}">
+        <p14:creationId xmlns:p14="http://schemas.microsoft.com/office/powerpoint/2010/main" val="1408964476"/>
+      </p:ext>
+    </p:extLst>
+  </p:cSld>
+  <p:clrMapOvr>
+    <a:masterClrMapping/>
+  </p:clrMapOvr>
+</p:sld>
+</file>
+
+<file path=ppt/slides/slide9.xml><?xml version="1.0" encoding="utf-8"?>
+<p:sld xmlns:a="http://schemas.openxmlformats.org/drawingml/2006/main" xmlns:r="http://schemas.openxmlformats.org/officeDocument/2006/relationships" xmlns:p="http://schemas.openxmlformats.org/presentationml/2006/main">
+  <p:cSld>
+    <p:spTree>
+      <p:nvGrpSpPr>
+        <p:cNvPr id="1" name=""/>
+        <p:cNvGrpSpPr/>
+        <p:nvPr/>
+      </p:nvGrpSpPr>
+      <p:grpSpPr>
+        <a:xfrm>
+          <a:off x="0" y="0"/>
+          <a:ext cx="0" cy="0"/>
+          <a:chOff x="0" y="0"/>
+          <a:chExt cx="0" cy="0"/>
+        </a:xfrm>
+      </p:grpSpPr>
+      <p:sp>
+        <p:nvSpPr>
+          <p:cNvPr id="2" name="Title 1"/>
+          <p:cNvSpPr>
+            <a:spLocks noGrp="1"/>
+          </p:cNvSpPr>
+          <p:nvPr>
+            <p:ph type="title"/>
+          </p:nvPr>
+        </p:nvSpPr>
+        <p:spPr>
+          <a:xfrm>
+            <a:off x="457200" y="533400"/>
+            <a:ext cx="8229600" cy="5867400"/>
+          </a:xfrm>
+        </p:spPr>
+        <p:txBody>
+          <a:bodyPr/>
+          <a:lstStyle/>
+          <a:p>
+            <a:r>
+              <a:rPr lang="en-US" dirty="0" smtClean="0"/>
+              <a:t>Demo</a:t>
+            </a:r>
+            <a:endParaRPr lang="en-US" dirty="0"/>
+          </a:p>
+        </p:txBody>
+      </p:sp>
+    </p:spTree>
+    <p:extLst>
+      <p:ext uri="{BB962C8B-B14F-4D97-AF65-F5344CB8AC3E}">
+        <p14:creationId xmlns:p14="http://schemas.microsoft.com/office/powerpoint/2010/main" val="179883099"/>
       </p:ext>
     </p:extLst>
   </p:cSld>
